--- a/Git Basics.pptx
+++ b/Git Basics.pptx
@@ -1023,7 +1023,7 @@
           <a:p>
             <a:fld id="{26558949-6C53-4BBB-8126-6EA5E58C04DA}" type="datetimeFigureOut">
               <a:rPr lang="en-US" smtClean="0"/>
-              <a:t>10/26/2017</a:t>
+              <a:t>10/27/2017</a:t>
             </a:fld>
             <a:endParaRPr lang="en-US"/>
           </a:p>
@@ -4504,7 +4504,12 @@
             <p:ph idx="1"/>
           </p:nvPr>
         </p:nvSpPr>
-        <p:spPr/>
+        <p:spPr>
+          <a:xfrm>
+            <a:off x="817036" y="1125224"/>
+            <a:ext cx="10221667" cy="5075652"/>
+          </a:xfrm>
+        </p:spPr>
         <p:txBody>
           <a:bodyPr/>
           <a:lstStyle/>
@@ -4545,22 +4550,57 @@
           <a:p>
             <a:r>
               <a:rPr lang="en-US" dirty="0"/>
-              <a:t>The default branch of every repository is called the master.  New branches can be created with ‘git branch &lt;</a:t>
-            </a:r>
-            <a:r>
-              <a:rPr lang="en-US" dirty="0" err="1"/>
+              <a:t>The default branch of every repository is called the master.  New branches can be created with </a:t>
+            </a:r>
+            <a:r>
+              <a:rPr lang="en-US" sz="1600" b="1" dirty="0">
+                <a:solidFill>
+                  <a:schemeClr val="tx1"/>
+                </a:solidFill>
+                <a:highlight>
+                  <a:srgbClr val="C0C0C0"/>
+                </a:highlight>
+                <a:latin typeface="Courier New" panose="02070309020205020404" pitchFamily="49" charset="0"/>
+                <a:cs typeface="Courier New" panose="02070309020205020404" pitchFamily="49" charset="0"/>
+              </a:rPr>
+              <a:t>git branch &lt;</a:t>
+            </a:r>
+            <a:r>
+              <a:rPr lang="en-US" sz="1600" b="1" dirty="0" err="1">
+                <a:solidFill>
+                  <a:schemeClr val="tx1"/>
+                </a:solidFill>
+                <a:highlight>
+                  <a:srgbClr val="C0C0C0"/>
+                </a:highlight>
+                <a:latin typeface="Courier New" panose="02070309020205020404" pitchFamily="49" charset="0"/>
+                <a:cs typeface="Courier New" panose="02070309020205020404" pitchFamily="49" charset="0"/>
+              </a:rPr>
               <a:t>BranchName</a:t>
             </a:r>
             <a:r>
-              <a:rPr lang="en-US" dirty="0"/>
-              <a:t>&gt;’</a:t>
-            </a:r>
-          </a:p>
-          <a:p>
-            <a:pPr marL="1588" indent="0">
-              <a:buNone/>
-            </a:pPr>
-            <a:endParaRPr lang="en-US" dirty="0"/>
+              <a:rPr lang="en-US" sz="1600" b="1" dirty="0">
+                <a:solidFill>
+                  <a:schemeClr val="tx1"/>
+                </a:solidFill>
+                <a:highlight>
+                  <a:srgbClr val="C0C0C0"/>
+                </a:highlight>
+                <a:latin typeface="Courier New" panose="02070309020205020404" pitchFamily="49" charset="0"/>
+                <a:cs typeface="Courier New" panose="02070309020205020404" pitchFamily="49" charset="0"/>
+              </a:rPr>
+              <a:t>&gt;</a:t>
+            </a:r>
+            <a:endParaRPr lang="en-US" b="1" dirty="0">
+              <a:solidFill>
+                <a:schemeClr val="tx1"/>
+              </a:solidFill>
+              <a:highlight>
+                <a:srgbClr val="C0C0C0"/>
+              </a:highlight>
+              <a:latin typeface="Courier New" panose="02070309020205020404" pitchFamily="49" charset="0"/>
+              <a:cs typeface="Courier New" panose="02070309020205020404" pitchFamily="49" charset="0"/>
+            </a:endParaRPr>
           </a:p>
         </p:txBody>
       </p:sp>
@@ -4622,13 +4662,7 @@
           <a:lstStyle/>
           <a:p>
             <a:r>
-              <a:rPr lang="en-US" sz="1400" cap="none" baseline="0" dirty="0">
-                <a:solidFill>
-                  <a:schemeClr val="bg1">
-                    <a:lumMod val="65000"/>
-                  </a:schemeClr>
-                </a:solidFill>
-              </a:rPr>
+              <a:rPr lang="en-US" sz="1400" cap="none" baseline="0" dirty="0"/>
               <a:t>‘git branch’ will show the available branches.  The asterisk denotes the current branch</a:t>
             </a:r>
           </a:p>
@@ -4715,28 +4749,92 @@
           <a:p>
             <a:r>
               <a:rPr lang="en-US" dirty="0"/>
-              <a:t>Switch to a specified branch using ‘git checkout &lt;</a:t>
-            </a:r>
-            <a:r>
-              <a:rPr lang="en-US" dirty="0" err="1"/>
+              <a:t>Switch to a specified branch using </a:t>
+            </a:r>
+            <a:r>
+              <a:rPr lang="en-US" sz="1600" b="1" dirty="0">
+                <a:solidFill>
+                  <a:schemeClr val="tx1"/>
+                </a:solidFill>
+                <a:highlight>
+                  <a:srgbClr val="C0C0C0"/>
+                </a:highlight>
+                <a:latin typeface="Courier New" panose="02070309020205020404" pitchFamily="49" charset="0"/>
+                <a:cs typeface="Courier New" panose="02070309020205020404" pitchFamily="49" charset="0"/>
+              </a:rPr>
+              <a:t>git checkout &lt;</a:t>
+            </a:r>
+            <a:r>
+              <a:rPr lang="en-US" sz="1600" b="1" dirty="0" err="1">
+                <a:solidFill>
+                  <a:schemeClr val="tx1"/>
+                </a:solidFill>
+                <a:highlight>
+                  <a:srgbClr val="C0C0C0"/>
+                </a:highlight>
+                <a:latin typeface="Courier New" panose="02070309020205020404" pitchFamily="49" charset="0"/>
+                <a:cs typeface="Courier New" panose="02070309020205020404" pitchFamily="49" charset="0"/>
+              </a:rPr>
               <a:t>BranchName</a:t>
             </a:r>
             <a:r>
+              <a:rPr lang="en-US" sz="1600" b="1" dirty="0">
+                <a:solidFill>
+                  <a:schemeClr val="tx1"/>
+                </a:solidFill>
+                <a:highlight>
+                  <a:srgbClr val="C0C0C0"/>
+                </a:highlight>
+                <a:latin typeface="Courier New" panose="02070309020205020404" pitchFamily="49" charset="0"/>
+                <a:cs typeface="Courier New" panose="02070309020205020404" pitchFamily="49" charset="0"/>
+              </a:rPr>
+              <a:t>&gt;</a:t>
+            </a:r>
+            <a:endParaRPr lang="en-US" b="1" dirty="0">
+              <a:solidFill>
+                <a:schemeClr val="tx1"/>
+              </a:solidFill>
+              <a:highlight>
+                <a:srgbClr val="C0C0C0"/>
+              </a:highlight>
+              <a:latin typeface="Courier New" panose="02070309020205020404" pitchFamily="49" charset="0"/>
+              <a:cs typeface="Courier New" panose="02070309020205020404" pitchFamily="49" charset="0"/>
+            </a:endParaRPr>
+          </a:p>
+          <a:p>
+            <a:endParaRPr lang="en-US" dirty="0"/>
+          </a:p>
+          <a:p>
+            <a:endParaRPr lang="en-US" dirty="0"/>
+          </a:p>
+          <a:p>
+            <a:r>
               <a:rPr lang="en-US" dirty="0"/>
-              <a:t>&gt;’</a:t>
-            </a:r>
-          </a:p>
-          <a:p>
-            <a:endParaRPr lang="en-US" dirty="0"/>
-          </a:p>
-          <a:p>
-            <a:endParaRPr lang="en-US" dirty="0"/>
-          </a:p>
-          <a:p>
-            <a:r>
-              <a:rPr lang="en-US" dirty="0"/>
-              <a:t>Merge branches together with ‘git merge’</a:t>
-            </a:r>
+              <a:t>Merge branches together with </a:t>
+            </a:r>
+            <a:r>
+              <a:rPr lang="en-US" sz="1600" b="1" dirty="0">
+                <a:solidFill>
+                  <a:schemeClr val="tx1"/>
+                </a:solidFill>
+                <a:highlight>
+                  <a:srgbClr val="C0C0C0"/>
+                </a:highlight>
+                <a:latin typeface="Courier New" panose="02070309020205020404" pitchFamily="49" charset="0"/>
+                <a:cs typeface="Courier New" panose="02070309020205020404" pitchFamily="49" charset="0"/>
+              </a:rPr>
+              <a:t>git merge</a:t>
+            </a:r>
+            <a:endParaRPr lang="en-US" b="1" dirty="0">
+              <a:solidFill>
+                <a:schemeClr val="tx1"/>
+              </a:solidFill>
+              <a:highlight>
+                <a:srgbClr val="C0C0C0"/>
+              </a:highlight>
+              <a:latin typeface="Courier New" panose="02070309020205020404" pitchFamily="49" charset="0"/>
+              <a:cs typeface="Courier New" panose="02070309020205020404" pitchFamily="49" charset="0"/>
+            </a:endParaRPr>
           </a:p>
           <a:p>
             <a:pPr lvl="1"/>
@@ -4871,7 +4969,14 @@
           <a:lstStyle/>
           <a:p>
             <a:r>
-              <a:rPr lang="en-US" sz="1600" cap="none" baseline="0" dirty="0"/>
+              <a:rPr lang="en-US" sz="1600" cap="none" baseline="0" dirty="0">
+                <a:solidFill>
+                  <a:schemeClr val="tx1">
+                    <a:lumMod val="65000"/>
+                    <a:lumOff val="35000"/>
+                  </a:schemeClr>
+                </a:solidFill>
+              </a:rPr>
               <a:t>The experimental branch was pushed with the change but master does not have the new recipe yet.  We will have to merge the branches together.</a:t>
             </a:r>
           </a:p>
@@ -4970,15 +5075,54 @@
           <a:p>
             <a:r>
               <a:rPr lang="en-US" dirty="0"/>
-              <a:t>Use git merge &lt;</a:t>
-            </a:r>
-            <a:r>
-              <a:rPr lang="en-US" dirty="0" err="1"/>
+              <a:t>Use </a:t>
+            </a:r>
+            <a:r>
+              <a:rPr lang="en-US" sz="1600" b="1" dirty="0">
+                <a:solidFill>
+                  <a:schemeClr val="tx1"/>
+                </a:solidFill>
+                <a:highlight>
+                  <a:srgbClr val="C0C0C0"/>
+                </a:highlight>
+                <a:latin typeface="Courier New" panose="02070309020205020404" pitchFamily="49" charset="0"/>
+                <a:cs typeface="Courier New" panose="02070309020205020404" pitchFamily="49" charset="0"/>
+              </a:rPr>
+              <a:t>git merge &lt;</a:t>
+            </a:r>
+            <a:r>
+              <a:rPr lang="en-US" sz="1600" b="1" dirty="0" err="1">
+                <a:solidFill>
+                  <a:schemeClr val="tx1"/>
+                </a:solidFill>
+                <a:highlight>
+                  <a:srgbClr val="C0C0C0"/>
+                </a:highlight>
+                <a:latin typeface="Courier New" panose="02070309020205020404" pitchFamily="49" charset="0"/>
+                <a:cs typeface="Courier New" panose="02070309020205020404" pitchFamily="49" charset="0"/>
+              </a:rPr>
               <a:t>BranchName</a:t>
             </a:r>
             <a:r>
+              <a:rPr lang="en-US" sz="1600" b="1">
+                <a:solidFill>
+                  <a:schemeClr val="tx1"/>
+                </a:solidFill>
+                <a:highlight>
+                  <a:srgbClr val="C0C0C0"/>
+                </a:highlight>
+                <a:latin typeface="Courier New" panose="02070309020205020404" pitchFamily="49" charset="0"/>
+                <a:cs typeface="Courier New" panose="02070309020205020404" pitchFamily="49" charset="0"/>
+              </a:rPr>
+              <a:t>&gt;</a:t>
+            </a:r>
+            <a:r>
+              <a:rPr lang="en-US"/>
+              <a:t> with </a:t>
+            </a:r>
+            <a:r>
               <a:rPr lang="en-US" dirty="0"/>
-              <a:t>&gt; supplying the branch name you want merged into master</a:t>
+              <a:t>the branch name you want merged into master</a:t>
             </a:r>
           </a:p>
           <a:p>
@@ -5594,42 +5738,50 @@
               <a:t>In your working folder create a git repository with </a:t>
             </a:r>
             <a:r>
-              <a:rPr lang="en-US" b="1" dirty="0">
+              <a:rPr lang="en-US" sz="1600" b="1" dirty="0">
                 <a:solidFill>
                   <a:schemeClr val="tx1"/>
                 </a:solidFill>
                 <a:highlight>
                   <a:srgbClr val="C0C0C0"/>
                 </a:highlight>
+                <a:latin typeface="Courier New" panose="02070309020205020404" pitchFamily="49" charset="0"/>
+                <a:cs typeface="Courier New" panose="02070309020205020404" pitchFamily="49" charset="0"/>
               </a:rPr>
               <a:t>git</a:t>
             </a:r>
             <a:r>
-              <a:rPr lang="en-US" b="1" dirty="0">
+              <a:rPr lang="en-US" sz="1600" b="1" dirty="0">
                 <a:highlight>
                   <a:srgbClr val="C0C0C0"/>
                 </a:highlight>
+                <a:latin typeface="Courier New" panose="02070309020205020404" pitchFamily="49" charset="0"/>
+                <a:cs typeface="Courier New" panose="02070309020205020404" pitchFamily="49" charset="0"/>
               </a:rPr>
               <a:t> </a:t>
             </a:r>
             <a:r>
-              <a:rPr lang="en-US" b="1" dirty="0" err="1">
+              <a:rPr lang="en-US" sz="1600" b="1" dirty="0" err="1">
                 <a:solidFill>
                   <a:schemeClr val="tx1"/>
                 </a:solidFill>
                 <a:highlight>
                   <a:srgbClr val="C0C0C0"/>
                 </a:highlight>
+                <a:latin typeface="Courier New" panose="02070309020205020404" pitchFamily="49" charset="0"/>
+                <a:cs typeface="Courier New" panose="02070309020205020404" pitchFamily="49" charset="0"/>
               </a:rPr>
               <a:t>init</a:t>
             </a:r>
-            <a:endParaRPr lang="en-US" b="1" dirty="0">
+            <a:endParaRPr lang="en-US" sz="1600" b="1" dirty="0">
               <a:solidFill>
                 <a:schemeClr val="tx1"/>
               </a:solidFill>
               <a:highlight>
                 <a:srgbClr val="C0C0C0"/>
               </a:highlight>
+              <a:latin typeface="Courier New" panose="02070309020205020404" pitchFamily="49" charset="0"/>
+              <a:cs typeface="Courier New" panose="02070309020205020404" pitchFamily="49" charset="0"/>
             </a:endParaRPr>
           </a:p>
           <a:p>
@@ -5671,7 +5823,7 @@
         </p:blipFill>
         <p:spPr>
           <a:xfrm>
-            <a:off x="1468507" y="3107945"/>
+            <a:off x="1468507" y="3009091"/>
             <a:ext cx="6768888" cy="717550"/>
           </a:xfrm>
           <a:prstGeom prst="rect">
